--- a/docpac_09281022/Wekly Review.pptx
+++ b/docpac_09281022/Wekly Review.pptx
@@ -123,7 +123,7 @@
 <file path=ppt/revisionInfo.xml><?xml version="1.0" encoding="utf-8"?>
 <p1510:revInfo xmlns:a="http://schemas.openxmlformats.org/drawingml/2006/main" xmlns:r="http://schemas.openxmlformats.org/officeDocument/2006/relationships" xmlns:p1510="http://schemas.microsoft.com/office/powerpoint/2015/10/main">
   <p1510:revLst>
-    <p1510:client id="{F689DEC5-679B-4E74-BBC2-400DFA83ACB2}" v="2071" dt="2022-10-24T00:13:54.424"/>
+    <p1510:client id="{F689DEC5-679B-4E74-BBC2-400DFA83ACB2}" v="2085" dt="2022-10-24T00:22:00.770"/>
   </p1510:revLst>
 </p1510:revInfo>
 </file>
@@ -133,7 +133,7 @@
   <pc:docChgLst>
     <pc:chgData name="SMITH, CHRISTOPHER" userId="dd7fc2d5-9988-40ef-9498-c94fd49fd9a4" providerId="ADAL" clId="{F689DEC5-679B-4E74-BBC2-400DFA83ACB2}"/>
     <pc:docChg chg="undo custSel addSld delSld modSld sldOrd">
-      <pc:chgData name="SMITH, CHRISTOPHER" userId="dd7fc2d5-9988-40ef-9498-c94fd49fd9a4" providerId="ADAL" clId="{F689DEC5-679B-4E74-BBC2-400DFA83ACB2}" dt="2022-10-24T00:13:54.424" v="3630" actId="20577"/>
+      <pc:chgData name="SMITH, CHRISTOPHER" userId="dd7fc2d5-9988-40ef-9498-c94fd49fd9a4" providerId="ADAL" clId="{F689DEC5-679B-4E74-BBC2-400DFA83ACB2}" dt="2022-10-24T00:22:54.738" v="3726" actId="20577"/>
       <pc:docMkLst>
         <pc:docMk/>
       </pc:docMkLst>
@@ -268,7 +268,7 @@
         </pc:spChg>
       </pc:sldChg>
       <pc:sldChg chg="modSp mod modAnim">
-        <pc:chgData name="SMITH, CHRISTOPHER" userId="dd7fc2d5-9988-40ef-9498-c94fd49fd9a4" providerId="ADAL" clId="{F689DEC5-679B-4E74-BBC2-400DFA83ACB2}" dt="2022-10-24T00:03:06.902" v="2191" actId="5793"/>
+        <pc:chgData name="SMITH, CHRISTOPHER" userId="dd7fc2d5-9988-40ef-9498-c94fd49fd9a4" providerId="ADAL" clId="{F689DEC5-679B-4E74-BBC2-400DFA83ACB2}" dt="2022-10-24T00:22:00.770" v="3644" actId="20577"/>
         <pc:sldMkLst>
           <pc:docMk/>
           <pc:sldMk cId="3412631675" sldId="262"/>
@@ -282,7 +282,7 @@
           </ac:spMkLst>
         </pc:spChg>
         <pc:spChg chg="mod">
-          <ac:chgData name="SMITH, CHRISTOPHER" userId="dd7fc2d5-9988-40ef-9498-c94fd49fd9a4" providerId="ADAL" clId="{F689DEC5-679B-4E74-BBC2-400DFA83ACB2}" dt="2022-10-24T00:03:06.902" v="2191" actId="5793"/>
+          <ac:chgData name="SMITH, CHRISTOPHER" userId="dd7fc2d5-9988-40ef-9498-c94fd49fd9a4" providerId="ADAL" clId="{F689DEC5-679B-4E74-BBC2-400DFA83ACB2}" dt="2022-10-24T00:22:00.770" v="3644" actId="20577"/>
           <ac:spMkLst>
             <pc:docMk/>
             <pc:sldMk cId="3412631675" sldId="262"/>
@@ -406,7 +406,7 @@
         </pc:sldMkLst>
       </pc:sldChg>
       <pc:sldChg chg="modSp new mod">
-        <pc:chgData name="SMITH, CHRISTOPHER" userId="dd7fc2d5-9988-40ef-9498-c94fd49fd9a4" providerId="ADAL" clId="{F689DEC5-679B-4E74-BBC2-400DFA83ACB2}" dt="2022-10-24T00:06:24.469" v="2755" actId="20577"/>
+        <pc:chgData name="SMITH, CHRISTOPHER" userId="dd7fc2d5-9988-40ef-9498-c94fd49fd9a4" providerId="ADAL" clId="{F689DEC5-679B-4E74-BBC2-400DFA83ACB2}" dt="2022-10-24T00:22:54.738" v="3726" actId="20577"/>
         <pc:sldMkLst>
           <pc:docMk/>
           <pc:sldMk cId="4092371035" sldId="267"/>
@@ -420,7 +420,7 @@
           </ac:spMkLst>
         </pc:spChg>
         <pc:spChg chg="mod">
-          <ac:chgData name="SMITH, CHRISTOPHER" userId="dd7fc2d5-9988-40ef-9498-c94fd49fd9a4" providerId="ADAL" clId="{F689DEC5-679B-4E74-BBC2-400DFA83ACB2}" dt="2022-10-24T00:06:24.469" v="2755" actId="20577"/>
+          <ac:chgData name="SMITH, CHRISTOPHER" userId="dd7fc2d5-9988-40ef-9498-c94fd49fd9a4" providerId="ADAL" clId="{F689DEC5-679B-4E74-BBC2-400DFA83ACB2}" dt="2022-10-24T00:22:54.738" v="3726" actId="20577"/>
           <ac:spMkLst>
             <pc:docMk/>
             <pc:sldMk cId="4092371035" sldId="267"/>
@@ -4825,7 +4825,7 @@
           <a:p>
             <a:r>
               <a:rPr lang="en-US" dirty="0"/>
-              <a:t>Mac Hoover, Alex Plitt, Brandon Camacho, S+ Reflections</a:t>
+              <a:t>Mac Hoover, Alex Plitt, Brandon Camacho, Ethan Shimmel S+ Reflections</a:t>
             </a:r>
           </a:p>
           <a:p>
@@ -5549,7 +5549,9 @@
         </p:nvSpPr>
         <p:spPr/>
         <p:txBody>
-          <a:bodyPr/>
+          <a:bodyPr>
+            <a:normAutofit lnSpcReduction="10000"/>
+          </a:bodyPr>
           <a:lstStyle/>
           <a:p>
             <a:r>
@@ -5641,6 +5643,17 @@
               <a:rPr lang="en-US" dirty="0"/>
               <a:t> convey information</a:t>
             </a:r>
+          </a:p>
+          <a:p>
+            <a:r>
+              <a:rPr lang="en-US" dirty="0"/>
+              <a:t>Generally speaking, everyone is doing good/much better in </a:t>
+            </a:r>
+            <a:r>
+              <a:rPr lang="en-US"/>
+              <a:t>this class.</a:t>
+            </a:r>
+            <a:endParaRPr lang="en-US" dirty="0"/>
           </a:p>
           <a:p>
             <a:endParaRPr lang="en-US" dirty="0"/>

--- a/docpac_09281022/Wekly Review.pptx
+++ b/docpac_09281022/Wekly Review.pptx
@@ -123,6 +123,7 @@
 <file path=ppt/revisionInfo.xml><?xml version="1.0" encoding="utf-8"?>
 <p1510:revInfo xmlns:a="http://schemas.openxmlformats.org/drawingml/2006/main" xmlns:r="http://schemas.openxmlformats.org/officeDocument/2006/relationships" xmlns:p1510="http://schemas.microsoft.com/office/powerpoint/2015/10/main">
   <p1510:revLst>
+    <p1510:client id="{4A2DF1D3-0F5B-435B-809B-F26BDBF49CC9}" v="6" dt="2022-10-24T17:33:32.994"/>
     <p1510:client id="{F689DEC5-679B-4E74-BBC2-400DFA83ACB2}" v="2085" dt="2022-10-24T00:22:00.770"/>
   </p1510:revLst>
 </p1510:revInfo>
@@ -130,6 +131,50 @@
 
 <file path=ppt/changesInfos/changesInfo1.xml><?xml version="1.0" encoding="utf-8"?>
 <pc:chgInfo xmlns:a="http://schemas.openxmlformats.org/drawingml/2006/main" xmlns:r="http://schemas.openxmlformats.org/officeDocument/2006/relationships" xmlns:ac="http://schemas.microsoft.com/office/drawing/2013/main/command" xmlns:pc="http://schemas.microsoft.com/office/powerpoint/2013/main/command">
+  <pc:docChgLst>
+    <pc:chgData name="SMITH, CHRISTOPHER" userId="dd7fc2d5-9988-40ef-9498-c94fd49fd9a4" providerId="ADAL" clId="{4A2DF1D3-0F5B-435B-809B-F26BDBF49CC9}"/>
+    <pc:docChg chg="modSld">
+      <pc:chgData name="SMITH, CHRISTOPHER" userId="dd7fc2d5-9988-40ef-9498-c94fd49fd9a4" providerId="ADAL" clId="{4A2DF1D3-0F5B-435B-809B-F26BDBF49CC9}" dt="2022-10-24T17:33:32.994" v="5"/>
+      <pc:docMkLst>
+        <pc:docMk/>
+      </pc:docMkLst>
+      <pc:sldChg chg="modAnim">
+        <pc:chgData name="SMITH, CHRISTOPHER" userId="dd7fc2d5-9988-40ef-9498-c94fd49fd9a4" providerId="ADAL" clId="{4A2DF1D3-0F5B-435B-809B-F26BDBF49CC9}" dt="2022-10-24T17:33:20.749" v="1"/>
+        <pc:sldMkLst>
+          <pc:docMk/>
+          <pc:sldMk cId="580905212" sldId="257"/>
+        </pc:sldMkLst>
+      </pc:sldChg>
+      <pc:sldChg chg="modAnim">
+        <pc:chgData name="SMITH, CHRISTOPHER" userId="dd7fc2d5-9988-40ef-9498-c94fd49fd9a4" providerId="ADAL" clId="{4A2DF1D3-0F5B-435B-809B-F26BDBF49CC9}" dt="2022-10-24T17:33:32.994" v="5"/>
+        <pc:sldMkLst>
+          <pc:docMk/>
+          <pc:sldMk cId="2424306625" sldId="265"/>
+        </pc:sldMkLst>
+      </pc:sldChg>
+      <pc:sldChg chg="modAnim">
+        <pc:chgData name="SMITH, CHRISTOPHER" userId="dd7fc2d5-9988-40ef-9498-c94fd49fd9a4" providerId="ADAL" clId="{4A2DF1D3-0F5B-435B-809B-F26BDBF49CC9}" dt="2022-10-24T17:33:28.481" v="3"/>
+        <pc:sldMkLst>
+          <pc:docMk/>
+          <pc:sldMk cId="483876457" sldId="266"/>
+        </pc:sldMkLst>
+      </pc:sldChg>
+      <pc:sldChg chg="modAnim">
+        <pc:chgData name="SMITH, CHRISTOPHER" userId="dd7fc2d5-9988-40ef-9498-c94fd49fd9a4" providerId="ADAL" clId="{4A2DF1D3-0F5B-435B-809B-F26BDBF49CC9}" dt="2022-10-24T17:33:30.753" v="4"/>
+        <pc:sldMkLst>
+          <pc:docMk/>
+          <pc:sldMk cId="4092371035" sldId="267"/>
+        </pc:sldMkLst>
+      </pc:sldChg>
+      <pc:sldChg chg="modAnim">
+        <pc:chgData name="SMITH, CHRISTOPHER" userId="dd7fc2d5-9988-40ef-9498-c94fd49fd9a4" providerId="ADAL" clId="{4A2DF1D3-0F5B-435B-809B-F26BDBF49CC9}" dt="2022-10-24T17:33:26.087" v="2"/>
+        <pc:sldMkLst>
+          <pc:docMk/>
+          <pc:sldMk cId="1183516305" sldId="268"/>
+        </pc:sldMkLst>
+      </pc:sldChg>
+    </pc:docChg>
+  </pc:docChgLst>
   <pc:docChgLst>
     <pc:chgData name="SMITH, CHRISTOPHER" userId="dd7fc2d5-9988-40ef-9498-c94fd49fd9a4" providerId="ADAL" clId="{F689DEC5-679B-4E74-BBC2-400DFA83ACB2}"/>
     <pc:docChg chg="undo custSel addSld delSld modSld sldOrd">
@@ -661,7 +706,7 @@
           <a:p>
             <a:fld id="{DED5F896-E34E-4CAF-A567-C82569C373B8}" type="datetimeFigureOut">
               <a:rPr lang="en-US" smtClean="0"/>
-              <a:t>10/23/2022</a:t>
+              <a:t>10/24/2022</a:t>
             </a:fld>
             <a:endParaRPr lang="en-US"/>
           </a:p>
@@ -859,7 +904,7 @@
           <a:p>
             <a:fld id="{DED5F896-E34E-4CAF-A567-C82569C373B8}" type="datetimeFigureOut">
               <a:rPr lang="en-US" smtClean="0"/>
-              <a:t>10/23/2022</a:t>
+              <a:t>10/24/2022</a:t>
             </a:fld>
             <a:endParaRPr lang="en-US"/>
           </a:p>
@@ -1067,7 +1112,7 @@
           <a:p>
             <a:fld id="{DED5F896-E34E-4CAF-A567-C82569C373B8}" type="datetimeFigureOut">
               <a:rPr lang="en-US" smtClean="0"/>
-              <a:t>10/23/2022</a:t>
+              <a:t>10/24/2022</a:t>
             </a:fld>
             <a:endParaRPr lang="en-US"/>
           </a:p>
@@ -1265,7 +1310,7 @@
           <a:p>
             <a:fld id="{DED5F896-E34E-4CAF-A567-C82569C373B8}" type="datetimeFigureOut">
               <a:rPr lang="en-US" smtClean="0"/>
-              <a:t>10/23/2022</a:t>
+              <a:t>10/24/2022</a:t>
             </a:fld>
             <a:endParaRPr lang="en-US"/>
           </a:p>
@@ -1540,7 +1585,7 @@
           <a:p>
             <a:fld id="{DED5F896-E34E-4CAF-A567-C82569C373B8}" type="datetimeFigureOut">
               <a:rPr lang="en-US" smtClean="0"/>
-              <a:t>10/23/2022</a:t>
+              <a:t>10/24/2022</a:t>
             </a:fld>
             <a:endParaRPr lang="en-US"/>
           </a:p>
@@ -1805,7 +1850,7 @@
           <a:p>
             <a:fld id="{DED5F896-E34E-4CAF-A567-C82569C373B8}" type="datetimeFigureOut">
               <a:rPr lang="en-US" smtClean="0"/>
-              <a:t>10/23/2022</a:t>
+              <a:t>10/24/2022</a:t>
             </a:fld>
             <a:endParaRPr lang="en-US"/>
           </a:p>
@@ -2217,7 +2262,7 @@
           <a:p>
             <a:fld id="{DED5F896-E34E-4CAF-A567-C82569C373B8}" type="datetimeFigureOut">
               <a:rPr lang="en-US" smtClean="0"/>
-              <a:t>10/23/2022</a:t>
+              <a:t>10/24/2022</a:t>
             </a:fld>
             <a:endParaRPr lang="en-US"/>
           </a:p>
@@ -2358,7 +2403,7 @@
           <a:p>
             <a:fld id="{DED5F896-E34E-4CAF-A567-C82569C373B8}" type="datetimeFigureOut">
               <a:rPr lang="en-US" smtClean="0"/>
-              <a:t>10/23/2022</a:t>
+              <a:t>10/24/2022</a:t>
             </a:fld>
             <a:endParaRPr lang="en-US"/>
           </a:p>
@@ -2471,7 +2516,7 @@
           <a:p>
             <a:fld id="{DED5F896-E34E-4CAF-A567-C82569C373B8}" type="datetimeFigureOut">
               <a:rPr lang="en-US" smtClean="0"/>
-              <a:t>10/23/2022</a:t>
+              <a:t>10/24/2022</a:t>
             </a:fld>
             <a:endParaRPr lang="en-US"/>
           </a:p>
@@ -2782,7 +2827,7 @@
           <a:p>
             <a:fld id="{DED5F896-E34E-4CAF-A567-C82569C373B8}" type="datetimeFigureOut">
               <a:rPr lang="en-US" smtClean="0"/>
-              <a:t>10/23/2022</a:t>
+              <a:t>10/24/2022</a:t>
             </a:fld>
             <a:endParaRPr lang="en-US"/>
           </a:p>
@@ -3070,7 +3115,7 @@
           <a:p>
             <a:fld id="{DED5F896-E34E-4CAF-A567-C82569C373B8}" type="datetimeFigureOut">
               <a:rPr lang="en-US" smtClean="0"/>
-              <a:t>10/23/2022</a:t>
+              <a:t>10/24/2022</a:t>
             </a:fld>
             <a:endParaRPr lang="en-US"/>
           </a:p>
@@ -3311,7 +3356,7 @@
           <a:p>
             <a:fld id="{DED5F896-E34E-4CAF-A567-C82569C373B8}" type="datetimeFigureOut">
               <a:rPr lang="en-US" smtClean="0"/>
-              <a:t>10/23/2022</a:t>
+              <a:t>10/24/2022</a:t>
             </a:fld>
             <a:endParaRPr lang="en-US"/>
           </a:p>
@@ -5377,6 +5422,315 @@
   <p:clrMapOvr>
     <a:masterClrMapping/>
   </p:clrMapOvr>
+  <p:timing>
+    <p:tnLst>
+      <p:par>
+        <p:cTn id="1" dur="indefinite" restart="never" nodeType="tmRoot">
+          <p:childTnLst>
+            <p:seq concurrent="1" nextAc="seek">
+              <p:cTn id="2" dur="indefinite" nodeType="mainSeq">
+                <p:childTnLst>
+                  <p:par>
+                    <p:cTn id="3" fill="hold">
+                      <p:stCondLst>
+                        <p:cond delay="indefinite"/>
+                      </p:stCondLst>
+                      <p:childTnLst>
+                        <p:par>
+                          <p:cTn id="4" fill="hold">
+                            <p:stCondLst>
+                              <p:cond delay="0"/>
+                            </p:stCondLst>
+                            <p:childTnLst>
+                              <p:par>
+                                <p:cTn id="5" presetID="1" presetClass="entr" presetSubtype="0" fill="hold" grpId="0" nodeType="clickEffect">
+                                  <p:stCondLst>
+                                    <p:cond delay="0"/>
+                                  </p:stCondLst>
+                                  <p:childTnLst>
+                                    <p:set>
+                                      <p:cBhvr>
+                                        <p:cTn id="6" dur="1" fill="hold">
+                                          <p:stCondLst>
+                                            <p:cond delay="0"/>
+                                          </p:stCondLst>
+                                        </p:cTn>
+                                        <p:tgtEl>
+                                          <p:spTgt spid="3">
+                                            <p:txEl>
+                                              <p:pRg st="0" end="0"/>
+                                            </p:txEl>
+                                          </p:spTgt>
+                                        </p:tgtEl>
+                                        <p:attrNameLst>
+                                          <p:attrName>style.visibility</p:attrName>
+                                        </p:attrNameLst>
+                                      </p:cBhvr>
+                                      <p:to>
+                                        <p:strVal val="visible"/>
+                                      </p:to>
+                                    </p:set>
+                                  </p:childTnLst>
+                                </p:cTn>
+                              </p:par>
+                            </p:childTnLst>
+                          </p:cTn>
+                        </p:par>
+                      </p:childTnLst>
+                    </p:cTn>
+                  </p:par>
+                  <p:par>
+                    <p:cTn id="7" fill="hold">
+                      <p:stCondLst>
+                        <p:cond delay="indefinite"/>
+                      </p:stCondLst>
+                      <p:childTnLst>
+                        <p:par>
+                          <p:cTn id="8" fill="hold">
+                            <p:stCondLst>
+                              <p:cond delay="0"/>
+                            </p:stCondLst>
+                            <p:childTnLst>
+                              <p:par>
+                                <p:cTn id="9" presetID="1" presetClass="entr" presetSubtype="0" fill="hold" grpId="0" nodeType="clickEffect">
+                                  <p:stCondLst>
+                                    <p:cond delay="0"/>
+                                  </p:stCondLst>
+                                  <p:childTnLst>
+                                    <p:set>
+                                      <p:cBhvr>
+                                        <p:cTn id="10" dur="1" fill="hold">
+                                          <p:stCondLst>
+                                            <p:cond delay="0"/>
+                                          </p:stCondLst>
+                                        </p:cTn>
+                                        <p:tgtEl>
+                                          <p:spTgt spid="3">
+                                            <p:txEl>
+                                              <p:pRg st="1" end="1"/>
+                                            </p:txEl>
+                                          </p:spTgt>
+                                        </p:tgtEl>
+                                        <p:attrNameLst>
+                                          <p:attrName>style.visibility</p:attrName>
+                                        </p:attrNameLst>
+                                      </p:cBhvr>
+                                      <p:to>
+                                        <p:strVal val="visible"/>
+                                      </p:to>
+                                    </p:set>
+                                  </p:childTnLst>
+                                </p:cTn>
+                              </p:par>
+                            </p:childTnLst>
+                          </p:cTn>
+                        </p:par>
+                      </p:childTnLst>
+                    </p:cTn>
+                  </p:par>
+                  <p:par>
+                    <p:cTn id="11" fill="hold">
+                      <p:stCondLst>
+                        <p:cond delay="indefinite"/>
+                      </p:stCondLst>
+                      <p:childTnLst>
+                        <p:par>
+                          <p:cTn id="12" fill="hold">
+                            <p:stCondLst>
+                              <p:cond delay="0"/>
+                            </p:stCondLst>
+                            <p:childTnLst>
+                              <p:par>
+                                <p:cTn id="13" presetID="1" presetClass="entr" presetSubtype="0" fill="hold" grpId="0" nodeType="clickEffect">
+                                  <p:stCondLst>
+                                    <p:cond delay="0"/>
+                                  </p:stCondLst>
+                                  <p:childTnLst>
+                                    <p:set>
+                                      <p:cBhvr>
+                                        <p:cTn id="14" dur="1" fill="hold">
+                                          <p:stCondLst>
+                                            <p:cond delay="0"/>
+                                          </p:stCondLst>
+                                        </p:cTn>
+                                        <p:tgtEl>
+                                          <p:spTgt spid="3">
+                                            <p:txEl>
+                                              <p:pRg st="2" end="2"/>
+                                            </p:txEl>
+                                          </p:spTgt>
+                                        </p:tgtEl>
+                                        <p:attrNameLst>
+                                          <p:attrName>style.visibility</p:attrName>
+                                        </p:attrNameLst>
+                                      </p:cBhvr>
+                                      <p:to>
+                                        <p:strVal val="visible"/>
+                                      </p:to>
+                                    </p:set>
+                                  </p:childTnLst>
+                                </p:cTn>
+                              </p:par>
+                              <p:par>
+                                <p:cTn id="15" presetID="1" presetClass="entr" presetSubtype="0" fill="hold" grpId="0" nodeType="withEffect">
+                                  <p:stCondLst>
+                                    <p:cond delay="0"/>
+                                  </p:stCondLst>
+                                  <p:childTnLst>
+                                    <p:set>
+                                      <p:cBhvr>
+                                        <p:cTn id="16" dur="1" fill="hold">
+                                          <p:stCondLst>
+                                            <p:cond delay="0"/>
+                                          </p:stCondLst>
+                                        </p:cTn>
+                                        <p:tgtEl>
+                                          <p:spTgt spid="3">
+                                            <p:txEl>
+                                              <p:pRg st="3" end="3"/>
+                                            </p:txEl>
+                                          </p:spTgt>
+                                        </p:tgtEl>
+                                        <p:attrNameLst>
+                                          <p:attrName>style.visibility</p:attrName>
+                                        </p:attrNameLst>
+                                      </p:cBhvr>
+                                      <p:to>
+                                        <p:strVal val="visible"/>
+                                      </p:to>
+                                    </p:set>
+                                  </p:childTnLst>
+                                </p:cTn>
+                              </p:par>
+                            </p:childTnLst>
+                          </p:cTn>
+                        </p:par>
+                      </p:childTnLst>
+                    </p:cTn>
+                  </p:par>
+                  <p:par>
+                    <p:cTn id="17" fill="hold">
+                      <p:stCondLst>
+                        <p:cond delay="indefinite"/>
+                      </p:stCondLst>
+                      <p:childTnLst>
+                        <p:par>
+                          <p:cTn id="18" fill="hold">
+                            <p:stCondLst>
+                              <p:cond delay="0"/>
+                            </p:stCondLst>
+                            <p:childTnLst>
+                              <p:par>
+                                <p:cTn id="19" presetID="1" presetClass="entr" presetSubtype="0" fill="hold" grpId="0" nodeType="clickEffect">
+                                  <p:stCondLst>
+                                    <p:cond delay="0"/>
+                                  </p:stCondLst>
+                                  <p:childTnLst>
+                                    <p:set>
+                                      <p:cBhvr>
+                                        <p:cTn id="20" dur="1" fill="hold">
+                                          <p:stCondLst>
+                                            <p:cond delay="0"/>
+                                          </p:stCondLst>
+                                        </p:cTn>
+                                        <p:tgtEl>
+                                          <p:spTgt spid="3">
+                                            <p:txEl>
+                                              <p:pRg st="4" end="4"/>
+                                            </p:txEl>
+                                          </p:spTgt>
+                                        </p:tgtEl>
+                                        <p:attrNameLst>
+                                          <p:attrName>style.visibility</p:attrName>
+                                        </p:attrNameLst>
+                                      </p:cBhvr>
+                                      <p:to>
+                                        <p:strVal val="visible"/>
+                                      </p:to>
+                                    </p:set>
+                                  </p:childTnLst>
+                                </p:cTn>
+                              </p:par>
+                            </p:childTnLst>
+                          </p:cTn>
+                        </p:par>
+                      </p:childTnLst>
+                    </p:cTn>
+                  </p:par>
+                  <p:par>
+                    <p:cTn id="21" fill="hold">
+                      <p:stCondLst>
+                        <p:cond delay="indefinite"/>
+                      </p:stCondLst>
+                      <p:childTnLst>
+                        <p:par>
+                          <p:cTn id="22" fill="hold">
+                            <p:stCondLst>
+                              <p:cond delay="0"/>
+                            </p:stCondLst>
+                            <p:childTnLst>
+                              <p:par>
+                                <p:cTn id="23" presetID="1" presetClass="entr" presetSubtype="0" fill="hold" grpId="0" nodeType="clickEffect">
+                                  <p:stCondLst>
+                                    <p:cond delay="0"/>
+                                  </p:stCondLst>
+                                  <p:childTnLst>
+                                    <p:set>
+                                      <p:cBhvr>
+                                        <p:cTn id="24" dur="1" fill="hold">
+                                          <p:stCondLst>
+                                            <p:cond delay="0"/>
+                                          </p:stCondLst>
+                                        </p:cTn>
+                                        <p:tgtEl>
+                                          <p:spTgt spid="3">
+                                            <p:txEl>
+                                              <p:pRg st="5" end="5"/>
+                                            </p:txEl>
+                                          </p:spTgt>
+                                        </p:tgtEl>
+                                        <p:attrNameLst>
+                                          <p:attrName>style.visibility</p:attrName>
+                                        </p:attrNameLst>
+                                      </p:cBhvr>
+                                      <p:to>
+                                        <p:strVal val="visible"/>
+                                      </p:to>
+                                    </p:set>
+                                  </p:childTnLst>
+                                </p:cTn>
+                              </p:par>
+                            </p:childTnLst>
+                          </p:cTn>
+                        </p:par>
+                      </p:childTnLst>
+                    </p:cTn>
+                  </p:par>
+                </p:childTnLst>
+              </p:cTn>
+              <p:prevCondLst>
+                <p:cond evt="onPrev" delay="0">
+                  <p:tgtEl>
+                    <p:sldTgt/>
+                  </p:tgtEl>
+                </p:cond>
+              </p:prevCondLst>
+              <p:nextCondLst>
+                <p:cond evt="onNext" delay="0">
+                  <p:tgtEl>
+                    <p:sldTgt/>
+                  </p:tgtEl>
+                </p:cond>
+              </p:nextCondLst>
+            </p:seq>
+          </p:childTnLst>
+        </p:cTn>
+      </p:par>
+    </p:tnLst>
+    <p:bldLst>
+      <p:bldP spid="3" grpId="0" build="p"/>
+    </p:bldLst>
+  </p:timing>
 </p:sld>
 </file>
 
@@ -5482,6 +5836,217 @@
   <p:clrMapOvr>
     <a:masterClrMapping/>
   </p:clrMapOvr>
+  <p:timing>
+    <p:tnLst>
+      <p:par>
+        <p:cTn id="1" dur="indefinite" restart="never" nodeType="tmRoot">
+          <p:childTnLst>
+            <p:seq concurrent="1" nextAc="seek">
+              <p:cTn id="2" dur="indefinite" nodeType="mainSeq">
+                <p:childTnLst>
+                  <p:par>
+                    <p:cTn id="3" fill="hold">
+                      <p:stCondLst>
+                        <p:cond delay="indefinite"/>
+                      </p:stCondLst>
+                      <p:childTnLst>
+                        <p:par>
+                          <p:cTn id="4" fill="hold">
+                            <p:stCondLst>
+                              <p:cond delay="0"/>
+                            </p:stCondLst>
+                            <p:childTnLst>
+                              <p:par>
+                                <p:cTn id="5" presetID="1" presetClass="entr" presetSubtype="0" fill="hold" grpId="0" nodeType="clickEffect">
+                                  <p:stCondLst>
+                                    <p:cond delay="0"/>
+                                  </p:stCondLst>
+                                  <p:childTnLst>
+                                    <p:set>
+                                      <p:cBhvr>
+                                        <p:cTn id="6" dur="1" fill="hold">
+                                          <p:stCondLst>
+                                            <p:cond delay="0"/>
+                                          </p:stCondLst>
+                                        </p:cTn>
+                                        <p:tgtEl>
+                                          <p:spTgt spid="3">
+                                            <p:txEl>
+                                              <p:pRg st="0" end="0"/>
+                                            </p:txEl>
+                                          </p:spTgt>
+                                        </p:tgtEl>
+                                        <p:attrNameLst>
+                                          <p:attrName>style.visibility</p:attrName>
+                                        </p:attrNameLst>
+                                      </p:cBhvr>
+                                      <p:to>
+                                        <p:strVal val="visible"/>
+                                      </p:to>
+                                    </p:set>
+                                  </p:childTnLst>
+                                </p:cTn>
+                              </p:par>
+                              <p:par>
+                                <p:cTn id="7" presetID="1" presetClass="entr" presetSubtype="0" fill="hold" grpId="0" nodeType="withEffect">
+                                  <p:stCondLst>
+                                    <p:cond delay="0"/>
+                                  </p:stCondLst>
+                                  <p:childTnLst>
+                                    <p:set>
+                                      <p:cBhvr>
+                                        <p:cTn id="8" dur="1" fill="hold">
+                                          <p:stCondLst>
+                                            <p:cond delay="0"/>
+                                          </p:stCondLst>
+                                        </p:cTn>
+                                        <p:tgtEl>
+                                          <p:spTgt spid="3">
+                                            <p:txEl>
+                                              <p:pRg st="1" end="1"/>
+                                            </p:txEl>
+                                          </p:spTgt>
+                                        </p:tgtEl>
+                                        <p:attrNameLst>
+                                          <p:attrName>style.visibility</p:attrName>
+                                        </p:attrNameLst>
+                                      </p:cBhvr>
+                                      <p:to>
+                                        <p:strVal val="visible"/>
+                                      </p:to>
+                                    </p:set>
+                                  </p:childTnLst>
+                                </p:cTn>
+                              </p:par>
+                            </p:childTnLst>
+                          </p:cTn>
+                        </p:par>
+                      </p:childTnLst>
+                    </p:cTn>
+                  </p:par>
+                  <p:par>
+                    <p:cTn id="9" fill="hold">
+                      <p:stCondLst>
+                        <p:cond delay="indefinite"/>
+                      </p:stCondLst>
+                      <p:childTnLst>
+                        <p:par>
+                          <p:cTn id="10" fill="hold">
+                            <p:stCondLst>
+                              <p:cond delay="0"/>
+                            </p:stCondLst>
+                            <p:childTnLst>
+                              <p:par>
+                                <p:cTn id="11" presetID="1" presetClass="entr" presetSubtype="0" fill="hold" grpId="0" nodeType="clickEffect">
+                                  <p:stCondLst>
+                                    <p:cond delay="0"/>
+                                  </p:stCondLst>
+                                  <p:childTnLst>
+                                    <p:set>
+                                      <p:cBhvr>
+                                        <p:cTn id="12" dur="1" fill="hold">
+                                          <p:stCondLst>
+                                            <p:cond delay="0"/>
+                                          </p:stCondLst>
+                                        </p:cTn>
+                                        <p:tgtEl>
+                                          <p:spTgt spid="3">
+                                            <p:txEl>
+                                              <p:pRg st="2" end="2"/>
+                                            </p:txEl>
+                                          </p:spTgt>
+                                        </p:tgtEl>
+                                        <p:attrNameLst>
+                                          <p:attrName>style.visibility</p:attrName>
+                                        </p:attrNameLst>
+                                      </p:cBhvr>
+                                      <p:to>
+                                        <p:strVal val="visible"/>
+                                      </p:to>
+                                    </p:set>
+                                  </p:childTnLst>
+                                </p:cTn>
+                              </p:par>
+                            </p:childTnLst>
+                          </p:cTn>
+                        </p:par>
+                      </p:childTnLst>
+                    </p:cTn>
+                  </p:par>
+                  <p:par>
+                    <p:cTn id="13" fill="hold">
+                      <p:stCondLst>
+                        <p:cond delay="indefinite"/>
+                      </p:stCondLst>
+                      <p:childTnLst>
+                        <p:par>
+                          <p:cTn id="14" fill="hold">
+                            <p:stCondLst>
+                              <p:cond delay="0"/>
+                            </p:stCondLst>
+                            <p:childTnLst>
+                              <p:par>
+                                <p:cTn id="15" presetID="1" presetClass="entr" presetSubtype="0" fill="hold" grpId="0" nodeType="clickEffect">
+                                  <p:stCondLst>
+                                    <p:cond delay="0"/>
+                                  </p:stCondLst>
+                                  <p:childTnLst>
+                                    <p:set>
+                                      <p:cBhvr>
+                                        <p:cTn id="16" dur="1" fill="hold">
+                                          <p:stCondLst>
+                                            <p:cond delay="0"/>
+                                          </p:stCondLst>
+                                        </p:cTn>
+                                        <p:tgtEl>
+                                          <p:spTgt spid="3">
+                                            <p:txEl>
+                                              <p:pRg st="3" end="3"/>
+                                            </p:txEl>
+                                          </p:spTgt>
+                                        </p:tgtEl>
+                                        <p:attrNameLst>
+                                          <p:attrName>style.visibility</p:attrName>
+                                        </p:attrNameLst>
+                                      </p:cBhvr>
+                                      <p:to>
+                                        <p:strVal val="visible"/>
+                                      </p:to>
+                                    </p:set>
+                                  </p:childTnLst>
+                                </p:cTn>
+                              </p:par>
+                            </p:childTnLst>
+                          </p:cTn>
+                        </p:par>
+                      </p:childTnLst>
+                    </p:cTn>
+                  </p:par>
+                </p:childTnLst>
+              </p:cTn>
+              <p:prevCondLst>
+                <p:cond evt="onPrev" delay="0">
+                  <p:tgtEl>
+                    <p:sldTgt/>
+                  </p:tgtEl>
+                </p:cond>
+              </p:prevCondLst>
+              <p:nextCondLst>
+                <p:cond evt="onNext" delay="0">
+                  <p:tgtEl>
+                    <p:sldTgt/>
+                  </p:tgtEl>
+                </p:cond>
+              </p:nextCondLst>
+            </p:seq>
+          </p:childTnLst>
+        </p:cTn>
+      </p:par>
+    </p:tnLst>
+    <p:bldLst>
+      <p:bldP spid="3" grpId="0" build="p"/>
+    </p:bldLst>
+  </p:timing>
 </p:sld>
 </file>
 
@@ -5647,13 +6212,8 @@
           <a:p>
             <a:r>
               <a:rPr lang="en-US" dirty="0"/>
-              <a:t>Generally speaking, everyone is doing good/much better in </a:t>
-            </a:r>
-            <a:r>
-              <a:rPr lang="en-US"/>
-              <a:t>this class.</a:t>
-            </a:r>
-            <a:endParaRPr lang="en-US" dirty="0"/>
+              <a:t>Generally speaking, everyone is doing good/much better in this class.</a:t>
+            </a:r>
           </a:p>
           <a:p>
             <a:endParaRPr lang="en-US" dirty="0"/>
@@ -5673,6 +6233,439 @@
   <p:clrMapOvr>
     <a:masterClrMapping/>
   </p:clrMapOvr>
+  <p:timing>
+    <p:tnLst>
+      <p:par>
+        <p:cTn id="1" dur="indefinite" restart="never" nodeType="tmRoot">
+          <p:childTnLst>
+            <p:seq concurrent="1" nextAc="seek">
+              <p:cTn id="2" dur="indefinite" nodeType="mainSeq">
+                <p:childTnLst>
+                  <p:par>
+                    <p:cTn id="3" fill="hold">
+                      <p:stCondLst>
+                        <p:cond delay="indefinite"/>
+                      </p:stCondLst>
+                      <p:childTnLst>
+                        <p:par>
+                          <p:cTn id="4" fill="hold">
+                            <p:stCondLst>
+                              <p:cond delay="0"/>
+                            </p:stCondLst>
+                            <p:childTnLst>
+                              <p:par>
+                                <p:cTn id="5" presetID="1" presetClass="entr" presetSubtype="0" fill="hold" grpId="0" nodeType="clickEffect">
+                                  <p:stCondLst>
+                                    <p:cond delay="0"/>
+                                  </p:stCondLst>
+                                  <p:childTnLst>
+                                    <p:set>
+                                      <p:cBhvr>
+                                        <p:cTn id="6" dur="1" fill="hold">
+                                          <p:stCondLst>
+                                            <p:cond delay="0"/>
+                                          </p:stCondLst>
+                                        </p:cTn>
+                                        <p:tgtEl>
+                                          <p:spTgt spid="3">
+                                            <p:txEl>
+                                              <p:pRg st="0" end="0"/>
+                                            </p:txEl>
+                                          </p:spTgt>
+                                        </p:tgtEl>
+                                        <p:attrNameLst>
+                                          <p:attrName>style.visibility</p:attrName>
+                                        </p:attrNameLst>
+                                      </p:cBhvr>
+                                      <p:to>
+                                        <p:strVal val="visible"/>
+                                      </p:to>
+                                    </p:set>
+                                  </p:childTnLst>
+                                </p:cTn>
+                              </p:par>
+                              <p:par>
+                                <p:cTn id="7" presetID="1" presetClass="entr" presetSubtype="0" fill="hold" grpId="0" nodeType="withEffect">
+                                  <p:stCondLst>
+                                    <p:cond delay="0"/>
+                                  </p:stCondLst>
+                                  <p:childTnLst>
+                                    <p:set>
+                                      <p:cBhvr>
+                                        <p:cTn id="8" dur="1" fill="hold">
+                                          <p:stCondLst>
+                                            <p:cond delay="0"/>
+                                          </p:stCondLst>
+                                        </p:cTn>
+                                        <p:tgtEl>
+                                          <p:spTgt spid="3">
+                                            <p:txEl>
+                                              <p:pRg st="1" end="1"/>
+                                            </p:txEl>
+                                          </p:spTgt>
+                                        </p:tgtEl>
+                                        <p:attrNameLst>
+                                          <p:attrName>style.visibility</p:attrName>
+                                        </p:attrNameLst>
+                                      </p:cBhvr>
+                                      <p:to>
+                                        <p:strVal val="visible"/>
+                                      </p:to>
+                                    </p:set>
+                                  </p:childTnLst>
+                                </p:cTn>
+                              </p:par>
+                            </p:childTnLst>
+                          </p:cTn>
+                        </p:par>
+                      </p:childTnLst>
+                    </p:cTn>
+                  </p:par>
+                  <p:par>
+                    <p:cTn id="9" fill="hold">
+                      <p:stCondLst>
+                        <p:cond delay="indefinite"/>
+                      </p:stCondLst>
+                      <p:childTnLst>
+                        <p:par>
+                          <p:cTn id="10" fill="hold">
+                            <p:stCondLst>
+                              <p:cond delay="0"/>
+                            </p:stCondLst>
+                            <p:childTnLst>
+                              <p:par>
+                                <p:cTn id="11" presetID="1" presetClass="entr" presetSubtype="0" fill="hold" grpId="0" nodeType="clickEffect">
+                                  <p:stCondLst>
+                                    <p:cond delay="0"/>
+                                  </p:stCondLst>
+                                  <p:childTnLst>
+                                    <p:set>
+                                      <p:cBhvr>
+                                        <p:cTn id="12" dur="1" fill="hold">
+                                          <p:stCondLst>
+                                            <p:cond delay="0"/>
+                                          </p:stCondLst>
+                                        </p:cTn>
+                                        <p:tgtEl>
+                                          <p:spTgt spid="3">
+                                            <p:txEl>
+                                              <p:pRg st="2" end="2"/>
+                                            </p:txEl>
+                                          </p:spTgt>
+                                        </p:tgtEl>
+                                        <p:attrNameLst>
+                                          <p:attrName>style.visibility</p:attrName>
+                                        </p:attrNameLst>
+                                      </p:cBhvr>
+                                      <p:to>
+                                        <p:strVal val="visible"/>
+                                      </p:to>
+                                    </p:set>
+                                  </p:childTnLst>
+                                </p:cTn>
+                              </p:par>
+                              <p:par>
+                                <p:cTn id="13" presetID="1" presetClass="entr" presetSubtype="0" fill="hold" grpId="0" nodeType="withEffect">
+                                  <p:stCondLst>
+                                    <p:cond delay="0"/>
+                                  </p:stCondLst>
+                                  <p:childTnLst>
+                                    <p:set>
+                                      <p:cBhvr>
+                                        <p:cTn id="14" dur="1" fill="hold">
+                                          <p:stCondLst>
+                                            <p:cond delay="0"/>
+                                          </p:stCondLst>
+                                        </p:cTn>
+                                        <p:tgtEl>
+                                          <p:spTgt spid="3">
+                                            <p:txEl>
+                                              <p:pRg st="3" end="3"/>
+                                            </p:txEl>
+                                          </p:spTgt>
+                                        </p:tgtEl>
+                                        <p:attrNameLst>
+                                          <p:attrName>style.visibility</p:attrName>
+                                        </p:attrNameLst>
+                                      </p:cBhvr>
+                                      <p:to>
+                                        <p:strVal val="visible"/>
+                                      </p:to>
+                                    </p:set>
+                                  </p:childTnLst>
+                                </p:cTn>
+                              </p:par>
+                            </p:childTnLst>
+                          </p:cTn>
+                        </p:par>
+                      </p:childTnLst>
+                    </p:cTn>
+                  </p:par>
+                  <p:par>
+                    <p:cTn id="15" fill="hold">
+                      <p:stCondLst>
+                        <p:cond delay="indefinite"/>
+                      </p:stCondLst>
+                      <p:childTnLst>
+                        <p:par>
+                          <p:cTn id="16" fill="hold">
+                            <p:stCondLst>
+                              <p:cond delay="0"/>
+                            </p:stCondLst>
+                            <p:childTnLst>
+                              <p:par>
+                                <p:cTn id="17" presetID="1" presetClass="entr" presetSubtype="0" fill="hold" grpId="0" nodeType="clickEffect">
+                                  <p:stCondLst>
+                                    <p:cond delay="0"/>
+                                  </p:stCondLst>
+                                  <p:childTnLst>
+                                    <p:set>
+                                      <p:cBhvr>
+                                        <p:cTn id="18" dur="1" fill="hold">
+                                          <p:stCondLst>
+                                            <p:cond delay="0"/>
+                                          </p:stCondLst>
+                                        </p:cTn>
+                                        <p:tgtEl>
+                                          <p:spTgt spid="3">
+                                            <p:txEl>
+                                              <p:pRg st="4" end="4"/>
+                                            </p:txEl>
+                                          </p:spTgt>
+                                        </p:tgtEl>
+                                        <p:attrNameLst>
+                                          <p:attrName>style.visibility</p:attrName>
+                                        </p:attrNameLst>
+                                      </p:cBhvr>
+                                      <p:to>
+                                        <p:strVal val="visible"/>
+                                      </p:to>
+                                    </p:set>
+                                  </p:childTnLst>
+                                </p:cTn>
+                              </p:par>
+                              <p:par>
+                                <p:cTn id="19" presetID="1" presetClass="entr" presetSubtype="0" fill="hold" grpId="0" nodeType="withEffect">
+                                  <p:stCondLst>
+                                    <p:cond delay="0"/>
+                                  </p:stCondLst>
+                                  <p:childTnLst>
+                                    <p:set>
+                                      <p:cBhvr>
+                                        <p:cTn id="20" dur="1" fill="hold">
+                                          <p:stCondLst>
+                                            <p:cond delay="0"/>
+                                          </p:stCondLst>
+                                        </p:cTn>
+                                        <p:tgtEl>
+                                          <p:spTgt spid="3">
+                                            <p:txEl>
+                                              <p:pRg st="5" end="5"/>
+                                            </p:txEl>
+                                          </p:spTgt>
+                                        </p:tgtEl>
+                                        <p:attrNameLst>
+                                          <p:attrName>style.visibility</p:attrName>
+                                        </p:attrNameLst>
+                                      </p:cBhvr>
+                                      <p:to>
+                                        <p:strVal val="visible"/>
+                                      </p:to>
+                                    </p:set>
+                                  </p:childTnLst>
+                                </p:cTn>
+                              </p:par>
+                            </p:childTnLst>
+                          </p:cTn>
+                        </p:par>
+                      </p:childTnLst>
+                    </p:cTn>
+                  </p:par>
+                  <p:par>
+                    <p:cTn id="21" fill="hold">
+                      <p:stCondLst>
+                        <p:cond delay="indefinite"/>
+                      </p:stCondLst>
+                      <p:childTnLst>
+                        <p:par>
+                          <p:cTn id="22" fill="hold">
+                            <p:stCondLst>
+                              <p:cond delay="0"/>
+                            </p:stCondLst>
+                            <p:childTnLst>
+                              <p:par>
+                                <p:cTn id="23" presetID="1" presetClass="entr" presetSubtype="0" fill="hold" grpId="0" nodeType="clickEffect">
+                                  <p:stCondLst>
+                                    <p:cond delay="0"/>
+                                  </p:stCondLst>
+                                  <p:childTnLst>
+                                    <p:set>
+                                      <p:cBhvr>
+                                        <p:cTn id="24" dur="1" fill="hold">
+                                          <p:stCondLst>
+                                            <p:cond delay="0"/>
+                                          </p:stCondLst>
+                                        </p:cTn>
+                                        <p:tgtEl>
+                                          <p:spTgt spid="3">
+                                            <p:txEl>
+                                              <p:pRg st="6" end="6"/>
+                                            </p:txEl>
+                                          </p:spTgt>
+                                        </p:tgtEl>
+                                        <p:attrNameLst>
+                                          <p:attrName>style.visibility</p:attrName>
+                                        </p:attrNameLst>
+                                      </p:cBhvr>
+                                      <p:to>
+                                        <p:strVal val="visible"/>
+                                      </p:to>
+                                    </p:set>
+                                  </p:childTnLst>
+                                </p:cTn>
+                              </p:par>
+                              <p:par>
+                                <p:cTn id="25" presetID="1" presetClass="entr" presetSubtype="0" fill="hold" grpId="0" nodeType="withEffect">
+                                  <p:stCondLst>
+                                    <p:cond delay="0"/>
+                                  </p:stCondLst>
+                                  <p:childTnLst>
+                                    <p:set>
+                                      <p:cBhvr>
+                                        <p:cTn id="26" dur="1" fill="hold">
+                                          <p:stCondLst>
+                                            <p:cond delay="0"/>
+                                          </p:stCondLst>
+                                        </p:cTn>
+                                        <p:tgtEl>
+                                          <p:spTgt spid="3">
+                                            <p:txEl>
+                                              <p:pRg st="7" end="7"/>
+                                            </p:txEl>
+                                          </p:spTgt>
+                                        </p:tgtEl>
+                                        <p:attrNameLst>
+                                          <p:attrName>style.visibility</p:attrName>
+                                        </p:attrNameLst>
+                                      </p:cBhvr>
+                                      <p:to>
+                                        <p:strVal val="visible"/>
+                                      </p:to>
+                                    </p:set>
+                                  </p:childTnLst>
+                                </p:cTn>
+                              </p:par>
+                              <p:par>
+                                <p:cTn id="27" presetID="1" presetClass="entr" presetSubtype="0" fill="hold" grpId="0" nodeType="withEffect">
+                                  <p:stCondLst>
+                                    <p:cond delay="0"/>
+                                  </p:stCondLst>
+                                  <p:childTnLst>
+                                    <p:set>
+                                      <p:cBhvr>
+                                        <p:cTn id="28" dur="1" fill="hold">
+                                          <p:stCondLst>
+                                            <p:cond delay="0"/>
+                                          </p:stCondLst>
+                                        </p:cTn>
+                                        <p:tgtEl>
+                                          <p:spTgt spid="3">
+                                            <p:txEl>
+                                              <p:pRg st="8" end="8"/>
+                                            </p:txEl>
+                                          </p:spTgt>
+                                        </p:tgtEl>
+                                        <p:attrNameLst>
+                                          <p:attrName>style.visibility</p:attrName>
+                                        </p:attrNameLst>
+                                      </p:cBhvr>
+                                      <p:to>
+                                        <p:strVal val="visible"/>
+                                      </p:to>
+                                    </p:set>
+                                  </p:childTnLst>
+                                </p:cTn>
+                              </p:par>
+                            </p:childTnLst>
+                          </p:cTn>
+                        </p:par>
+                      </p:childTnLst>
+                    </p:cTn>
+                  </p:par>
+                  <p:par>
+                    <p:cTn id="29" fill="hold">
+                      <p:stCondLst>
+                        <p:cond delay="indefinite"/>
+                      </p:stCondLst>
+                      <p:childTnLst>
+                        <p:par>
+                          <p:cTn id="30" fill="hold">
+                            <p:stCondLst>
+                              <p:cond delay="0"/>
+                            </p:stCondLst>
+                            <p:childTnLst>
+                              <p:par>
+                                <p:cTn id="31" presetID="1" presetClass="entr" presetSubtype="0" fill="hold" grpId="0" nodeType="clickEffect">
+                                  <p:stCondLst>
+                                    <p:cond delay="0"/>
+                                  </p:stCondLst>
+                                  <p:childTnLst>
+                                    <p:set>
+                                      <p:cBhvr>
+                                        <p:cTn id="32" dur="1" fill="hold">
+                                          <p:stCondLst>
+                                            <p:cond delay="0"/>
+                                          </p:stCondLst>
+                                        </p:cTn>
+                                        <p:tgtEl>
+                                          <p:spTgt spid="3">
+                                            <p:txEl>
+                                              <p:pRg st="9" end="9"/>
+                                            </p:txEl>
+                                          </p:spTgt>
+                                        </p:tgtEl>
+                                        <p:attrNameLst>
+                                          <p:attrName>style.visibility</p:attrName>
+                                        </p:attrNameLst>
+                                      </p:cBhvr>
+                                      <p:to>
+                                        <p:strVal val="visible"/>
+                                      </p:to>
+                                    </p:set>
+                                  </p:childTnLst>
+                                </p:cTn>
+                              </p:par>
+                            </p:childTnLst>
+                          </p:cTn>
+                        </p:par>
+                      </p:childTnLst>
+                    </p:cTn>
+                  </p:par>
+                </p:childTnLst>
+              </p:cTn>
+              <p:prevCondLst>
+                <p:cond evt="onPrev" delay="0">
+                  <p:tgtEl>
+                    <p:sldTgt/>
+                  </p:tgtEl>
+                </p:cond>
+              </p:prevCondLst>
+              <p:nextCondLst>
+                <p:cond evt="onNext" delay="0">
+                  <p:tgtEl>
+                    <p:sldTgt/>
+                  </p:tgtEl>
+                </p:cond>
+              </p:nextCondLst>
+            </p:seq>
+          </p:childTnLst>
+        </p:cTn>
+      </p:par>
+    </p:tnLst>
+    <p:bldLst>
+      <p:bldP spid="3" grpId="0" build="p"/>
+    </p:bldLst>
+  </p:timing>
 </p:sld>
 </file>
 
@@ -5798,6 +6791,248 @@
   <p:clrMapOvr>
     <a:masterClrMapping/>
   </p:clrMapOvr>
+  <p:timing>
+    <p:tnLst>
+      <p:par>
+        <p:cTn id="1" dur="indefinite" restart="never" nodeType="tmRoot">
+          <p:childTnLst>
+            <p:seq concurrent="1" nextAc="seek">
+              <p:cTn id="2" dur="indefinite" nodeType="mainSeq">
+                <p:childTnLst>
+                  <p:par>
+                    <p:cTn id="3" fill="hold">
+                      <p:stCondLst>
+                        <p:cond delay="indefinite"/>
+                      </p:stCondLst>
+                      <p:childTnLst>
+                        <p:par>
+                          <p:cTn id="4" fill="hold">
+                            <p:stCondLst>
+                              <p:cond delay="0"/>
+                            </p:stCondLst>
+                            <p:childTnLst>
+                              <p:par>
+                                <p:cTn id="5" presetID="1" presetClass="entr" presetSubtype="0" fill="hold" grpId="0" nodeType="clickEffect">
+                                  <p:stCondLst>
+                                    <p:cond delay="0"/>
+                                  </p:stCondLst>
+                                  <p:childTnLst>
+                                    <p:set>
+                                      <p:cBhvr>
+                                        <p:cTn id="6" dur="1" fill="hold">
+                                          <p:stCondLst>
+                                            <p:cond delay="0"/>
+                                          </p:stCondLst>
+                                        </p:cTn>
+                                        <p:tgtEl>
+                                          <p:spTgt spid="3">
+                                            <p:txEl>
+                                              <p:pRg st="0" end="0"/>
+                                            </p:txEl>
+                                          </p:spTgt>
+                                        </p:tgtEl>
+                                        <p:attrNameLst>
+                                          <p:attrName>style.visibility</p:attrName>
+                                        </p:attrNameLst>
+                                      </p:cBhvr>
+                                      <p:to>
+                                        <p:strVal val="visible"/>
+                                      </p:to>
+                                    </p:set>
+                                  </p:childTnLst>
+                                </p:cTn>
+                              </p:par>
+                              <p:par>
+                                <p:cTn id="7" presetID="1" presetClass="entr" presetSubtype="0" fill="hold" grpId="0" nodeType="withEffect">
+                                  <p:stCondLst>
+                                    <p:cond delay="0"/>
+                                  </p:stCondLst>
+                                  <p:childTnLst>
+                                    <p:set>
+                                      <p:cBhvr>
+                                        <p:cTn id="8" dur="1" fill="hold">
+                                          <p:stCondLst>
+                                            <p:cond delay="0"/>
+                                          </p:stCondLst>
+                                        </p:cTn>
+                                        <p:tgtEl>
+                                          <p:spTgt spid="3">
+                                            <p:txEl>
+                                              <p:pRg st="1" end="1"/>
+                                            </p:txEl>
+                                          </p:spTgt>
+                                        </p:tgtEl>
+                                        <p:attrNameLst>
+                                          <p:attrName>style.visibility</p:attrName>
+                                        </p:attrNameLst>
+                                      </p:cBhvr>
+                                      <p:to>
+                                        <p:strVal val="visible"/>
+                                      </p:to>
+                                    </p:set>
+                                  </p:childTnLst>
+                                </p:cTn>
+                              </p:par>
+                            </p:childTnLst>
+                          </p:cTn>
+                        </p:par>
+                      </p:childTnLst>
+                    </p:cTn>
+                  </p:par>
+                  <p:par>
+                    <p:cTn id="9" fill="hold">
+                      <p:stCondLst>
+                        <p:cond delay="indefinite"/>
+                      </p:stCondLst>
+                      <p:childTnLst>
+                        <p:par>
+                          <p:cTn id="10" fill="hold">
+                            <p:stCondLst>
+                              <p:cond delay="0"/>
+                            </p:stCondLst>
+                            <p:childTnLst>
+                              <p:par>
+                                <p:cTn id="11" presetID="1" presetClass="entr" presetSubtype="0" fill="hold" grpId="0" nodeType="clickEffect">
+                                  <p:stCondLst>
+                                    <p:cond delay="0"/>
+                                  </p:stCondLst>
+                                  <p:childTnLst>
+                                    <p:set>
+                                      <p:cBhvr>
+                                        <p:cTn id="12" dur="1" fill="hold">
+                                          <p:stCondLst>
+                                            <p:cond delay="0"/>
+                                          </p:stCondLst>
+                                        </p:cTn>
+                                        <p:tgtEl>
+                                          <p:spTgt spid="3">
+                                            <p:txEl>
+                                              <p:pRg st="2" end="2"/>
+                                            </p:txEl>
+                                          </p:spTgt>
+                                        </p:tgtEl>
+                                        <p:attrNameLst>
+                                          <p:attrName>style.visibility</p:attrName>
+                                        </p:attrNameLst>
+                                      </p:cBhvr>
+                                      <p:to>
+                                        <p:strVal val="visible"/>
+                                      </p:to>
+                                    </p:set>
+                                  </p:childTnLst>
+                                </p:cTn>
+                              </p:par>
+                              <p:par>
+                                <p:cTn id="13" presetID="1" presetClass="entr" presetSubtype="0" fill="hold" grpId="0" nodeType="withEffect">
+                                  <p:stCondLst>
+                                    <p:cond delay="0"/>
+                                  </p:stCondLst>
+                                  <p:childTnLst>
+                                    <p:set>
+                                      <p:cBhvr>
+                                        <p:cTn id="14" dur="1" fill="hold">
+                                          <p:stCondLst>
+                                            <p:cond delay="0"/>
+                                          </p:stCondLst>
+                                        </p:cTn>
+                                        <p:tgtEl>
+                                          <p:spTgt spid="3">
+                                            <p:txEl>
+                                              <p:pRg st="3" end="3"/>
+                                            </p:txEl>
+                                          </p:spTgt>
+                                        </p:tgtEl>
+                                        <p:attrNameLst>
+                                          <p:attrName>style.visibility</p:attrName>
+                                        </p:attrNameLst>
+                                      </p:cBhvr>
+                                      <p:to>
+                                        <p:strVal val="visible"/>
+                                      </p:to>
+                                    </p:set>
+                                  </p:childTnLst>
+                                </p:cTn>
+                              </p:par>
+                            </p:childTnLst>
+                          </p:cTn>
+                        </p:par>
+                      </p:childTnLst>
+                    </p:cTn>
+                  </p:par>
+                  <p:par>
+                    <p:cTn id="15" fill="hold">
+                      <p:stCondLst>
+                        <p:cond delay="indefinite"/>
+                      </p:stCondLst>
+                      <p:childTnLst>
+                        <p:par>
+                          <p:cTn id="16" fill="hold">
+                            <p:stCondLst>
+                              <p:cond delay="0"/>
+                            </p:stCondLst>
+                            <p:childTnLst>
+                              <p:par>
+                                <p:cTn id="17" presetID="1" presetClass="entr" presetSubtype="0" fill="hold" grpId="0" nodeType="clickEffect">
+                                  <p:stCondLst>
+                                    <p:cond delay="0"/>
+                                  </p:stCondLst>
+                                  <p:childTnLst>
+                                    <p:set>
+                                      <p:cBhvr>
+                                        <p:cTn id="18" dur="1" fill="hold">
+                                          <p:stCondLst>
+                                            <p:cond delay="0"/>
+                                          </p:stCondLst>
+                                        </p:cTn>
+                                        <p:tgtEl>
+                                          <p:spTgt spid="3">
+                                            <p:txEl>
+                                              <p:pRg st="4" end="4"/>
+                                            </p:txEl>
+                                          </p:spTgt>
+                                        </p:tgtEl>
+                                        <p:attrNameLst>
+                                          <p:attrName>style.visibility</p:attrName>
+                                        </p:attrNameLst>
+                                      </p:cBhvr>
+                                      <p:to>
+                                        <p:strVal val="visible"/>
+                                      </p:to>
+                                    </p:set>
+                                  </p:childTnLst>
+                                </p:cTn>
+                              </p:par>
+                            </p:childTnLst>
+                          </p:cTn>
+                        </p:par>
+                      </p:childTnLst>
+                    </p:cTn>
+                  </p:par>
+                </p:childTnLst>
+              </p:cTn>
+              <p:prevCondLst>
+                <p:cond evt="onPrev" delay="0">
+                  <p:tgtEl>
+                    <p:sldTgt/>
+                  </p:tgtEl>
+                </p:cond>
+              </p:prevCondLst>
+              <p:nextCondLst>
+                <p:cond evt="onNext" delay="0">
+                  <p:tgtEl>
+                    <p:sldTgt/>
+                  </p:tgtEl>
+                </p:cond>
+              </p:nextCondLst>
+            </p:seq>
+          </p:childTnLst>
+        </p:cTn>
+      </p:par>
+    </p:tnLst>
+    <p:bldLst>
+      <p:bldP spid="3" grpId="0" build="p"/>
+    </p:bldLst>
+  </p:timing>
 </p:sld>
 </file>
 
@@ -5922,11 +7157,7 @@
           <a:p>
             <a:r>
               <a:rPr lang="en-US" dirty="0"/>
-              <a:t>Read your Pull Requests and get ready for me to grade them with </a:t>
-            </a:r>
-            <a:r>
-              <a:rPr lang="en-US"/>
-              <a:t>you tomorrow.</a:t>
+              <a:t>Read your Pull Requests and get ready for me to grade them with you tomorrow.</a:t>
             </a:r>
           </a:p>
         </p:txBody>
